--- a/報告.pptx
+++ b/報告.pptx
@@ -6,6 +6,11 @@
   </p:sldMasterIdLst>
   <p:sldIdLst>
     <p:sldId id="256" r:id="rId2"/>
+    <p:sldId id="257" r:id="rId3"/>
+    <p:sldId id="258" r:id="rId4"/>
+    <p:sldId id="259" r:id="rId5"/>
+    <p:sldId id="260" r:id="rId6"/>
+    <p:sldId id="261" r:id="rId7"/>
   </p:sldIdLst>
   <p:sldSz cx="12192000" cy="6858000"/>
   <p:notesSz cx="6858000" cy="9144000"/>
@@ -104,6 +109,11 @@
       </a:defRPr>
     </a:lvl9pPr>
   </p:defaultTextStyle>
+  <p:extLst>
+    <p:ext uri="{EFAFB233-063F-42B5-8137-9DF3F51BA10A}">
+      <p15:sldGuideLst xmlns:p15="http://schemas.microsoft.com/office/powerpoint/2012/main"/>
+    </p:ext>
+  </p:extLst>
 </p:presentation>
 </file>
 
@@ -6096,14 +6106,19 @@
             <p:ph type="ctrTitle"/>
           </p:nvPr>
         </p:nvSpPr>
-        <p:spPr/>
+        <p:spPr>
+          <a:xfrm>
+            <a:off x="1154955" y="340895"/>
+            <a:ext cx="8825658" cy="3329581"/>
+          </a:xfrm>
+        </p:spPr>
         <p:txBody>
           <a:bodyPr/>
           <a:lstStyle/>
           <a:p>
             <a:r>
               <a:rPr lang="zh-TW" altLang="en-US" dirty="0" smtClean="0"/>
-              <a:t>基隆</a:t>
+              <a:t>基隆美食巡禮</a:t>
             </a:r>
             <a:endParaRPr lang="zh-TW" altLang="en-US" dirty="0"/>
           </a:p>
@@ -6119,12 +6134,51 @@
             <p:ph type="subTitle" idx="1"/>
           </p:nvPr>
         </p:nvSpPr>
-        <p:spPr/>
-        <p:txBody>
-          <a:bodyPr/>
-          <a:lstStyle/>
-          <a:p>
-            <a:endParaRPr lang="zh-TW" altLang="en-US"/>
+        <p:spPr>
+          <a:xfrm>
+            <a:off x="1154955" y="4039442"/>
+            <a:ext cx="8825658" cy="2329273"/>
+          </a:xfrm>
+        </p:spPr>
+        <p:txBody>
+          <a:bodyPr>
+            <a:noAutofit/>
+          </a:bodyPr>
+          <a:lstStyle/>
+          <a:p>
+            <a:r>
+              <a:rPr lang="zh-TW" altLang="en-US" sz="4000" dirty="0"/>
+              <a:t>指導教授     馬尚彬</a:t>
+            </a:r>
+          </a:p>
+          <a:p>
+            <a:r>
+              <a:rPr lang="en-US" altLang="zh-TW" sz="4000" dirty="0" smtClean="0"/>
+              <a:t>00557118  	</a:t>
+            </a:r>
+            <a:r>
+              <a:rPr lang="zh-TW" altLang="en-US" sz="4000" dirty="0" smtClean="0"/>
+              <a:t>張清堯</a:t>
+            </a:r>
+          </a:p>
+          <a:p>
+            <a:r>
+              <a:rPr lang="en-US" altLang="zh-TW" sz="4000" dirty="0" smtClean="0"/>
+              <a:t>00557151 </a:t>
+            </a:r>
+            <a:r>
+              <a:rPr lang="zh-TW" altLang="en-US" sz="4000" dirty="0" smtClean="0"/>
+              <a:t> </a:t>
+            </a:r>
+            <a:r>
+              <a:rPr lang="en-US" altLang="zh-TW" sz="4000" dirty="0" smtClean="0"/>
+              <a:t>	</a:t>
+            </a:r>
+            <a:r>
+              <a:rPr lang="zh-TW" altLang="en-US" sz="4000" dirty="0" smtClean="0"/>
+              <a:t>施信宏</a:t>
+            </a:r>
+            <a:endParaRPr lang="zh-TW" altLang="en-US" sz="4000" dirty="0"/>
           </a:p>
         </p:txBody>
       </p:sp>
@@ -6145,6 +6199,1059 @@
       </p:par>
     </p:tnLst>
   </p:timing>
+</p:sld>
+</file>
+
+<file path=ppt/slides/slide2.xml><?xml version="1.0" encoding="utf-8"?>
+<p:sld xmlns:a="http://schemas.openxmlformats.org/drawingml/2006/main" xmlns:r="http://schemas.openxmlformats.org/officeDocument/2006/relationships" xmlns:p="http://schemas.openxmlformats.org/presentationml/2006/main">
+  <p:cSld>
+    <p:spTree>
+      <p:nvGrpSpPr>
+        <p:cNvPr id="1" name=""/>
+        <p:cNvGrpSpPr/>
+        <p:nvPr/>
+      </p:nvGrpSpPr>
+      <p:grpSpPr>
+        <a:xfrm>
+          <a:off x="0" y="0"/>
+          <a:ext cx="0" cy="0"/>
+          <a:chOff x="0" y="0"/>
+          <a:chExt cx="0" cy="0"/>
+        </a:xfrm>
+      </p:grpSpPr>
+      <p:sp>
+        <p:nvSpPr>
+          <p:cNvPr id="2" name="標題 1"/>
+          <p:cNvSpPr>
+            <a:spLocks noGrp="1"/>
+          </p:cNvSpPr>
+          <p:nvPr>
+            <p:ph type="title"/>
+          </p:nvPr>
+        </p:nvSpPr>
+        <p:spPr/>
+        <p:txBody>
+          <a:bodyPr/>
+          <a:lstStyle/>
+          <a:p>
+            <a:r>
+              <a:rPr lang="zh-TW" altLang="en-US" dirty="0" smtClean="0"/>
+              <a:t>網站主題</a:t>
+            </a:r>
+            <a:endParaRPr lang="zh-TW" altLang="en-US" dirty="0"/>
+          </a:p>
+        </p:txBody>
+      </p:sp>
+      <p:sp>
+        <p:nvSpPr>
+          <p:cNvPr id="3" name="內容版面配置區 2"/>
+          <p:cNvSpPr>
+            <a:spLocks noGrp="1"/>
+          </p:cNvSpPr>
+          <p:nvPr>
+            <p:ph idx="1"/>
+          </p:nvPr>
+        </p:nvSpPr>
+        <p:spPr/>
+        <p:txBody>
+          <a:bodyPr>
+            <a:normAutofit/>
+          </a:bodyPr>
+          <a:lstStyle/>
+          <a:p>
+            <a:r>
+              <a:rPr lang="zh-TW" altLang="en-US" sz="4000" dirty="0"/>
+              <a:t>即是讓使用者能快速的尋找基隆在地的美食</a:t>
+            </a:r>
+            <a:r>
+              <a:rPr lang="en-US" altLang="zh-TW" sz="4000" dirty="0"/>
+              <a:t>!</a:t>
+            </a:r>
+            <a:r>
+              <a:rPr lang="zh-TW" altLang="en-US" sz="4000" dirty="0"/>
+              <a:t>不再辛苦地上網搜尋分散的所在地，讓您能直接前往</a:t>
+            </a:r>
+            <a:r>
+              <a:rPr lang="en-US" altLang="zh-TW" sz="4000" dirty="0"/>
+              <a:t>!</a:t>
+            </a:r>
+          </a:p>
+          <a:p>
+            <a:r>
+              <a:rPr lang="zh-TW" altLang="en-US" sz="4000" dirty="0"/>
+              <a:t/>
+            </a:r>
+            <a:br>
+              <a:rPr lang="zh-TW" altLang="en-US" sz="4000" dirty="0"/>
+            </a:br>
+            <a:endParaRPr lang="zh-TW" altLang="en-US" sz="4000" dirty="0"/>
+          </a:p>
+        </p:txBody>
+      </p:sp>
+    </p:spTree>
+    <p:extLst>
+      <p:ext uri="{BB962C8B-B14F-4D97-AF65-F5344CB8AC3E}">
+        <p14:creationId xmlns:p14="http://schemas.microsoft.com/office/powerpoint/2010/main" val="2979229179"/>
+      </p:ext>
+    </p:extLst>
+  </p:cSld>
+  <p:clrMapOvr>
+    <a:masterClrMapping/>
+  </p:clrMapOvr>
+</p:sld>
+</file>
+
+<file path=ppt/slides/slide3.xml><?xml version="1.0" encoding="utf-8"?>
+<p:sld xmlns:a="http://schemas.openxmlformats.org/drawingml/2006/main" xmlns:r="http://schemas.openxmlformats.org/officeDocument/2006/relationships" xmlns:p="http://schemas.openxmlformats.org/presentationml/2006/main">
+  <p:cSld>
+    <p:spTree>
+      <p:nvGrpSpPr>
+        <p:cNvPr id="1" name=""/>
+        <p:cNvGrpSpPr/>
+        <p:nvPr/>
+      </p:nvGrpSpPr>
+      <p:grpSpPr>
+        <a:xfrm>
+          <a:off x="0" y="0"/>
+          <a:ext cx="0" cy="0"/>
+          <a:chOff x="0" y="0"/>
+          <a:chExt cx="0" cy="0"/>
+        </a:xfrm>
+      </p:grpSpPr>
+      <p:sp>
+        <p:nvSpPr>
+          <p:cNvPr id="2" name="標題 1"/>
+          <p:cNvSpPr>
+            <a:spLocks noGrp="1"/>
+          </p:cNvSpPr>
+          <p:nvPr>
+            <p:ph type="title"/>
+          </p:nvPr>
+        </p:nvSpPr>
+        <p:spPr/>
+        <p:txBody>
+          <a:bodyPr/>
+          <a:lstStyle/>
+          <a:p>
+            <a:r>
+              <a:rPr lang="zh-TW" altLang="en-US" dirty="0" smtClean="0"/>
+              <a:t>網站架構</a:t>
+            </a:r>
+            <a:endParaRPr lang="zh-TW" altLang="en-US" dirty="0"/>
+          </a:p>
+        </p:txBody>
+      </p:sp>
+      <p:sp>
+        <p:nvSpPr>
+          <p:cNvPr id="4" name="矩形 3"/>
+          <p:cNvSpPr/>
+          <p:nvPr/>
+        </p:nvSpPr>
+        <p:spPr>
+          <a:xfrm>
+            <a:off x="4355432" y="914400"/>
+            <a:ext cx="3577390" cy="1203158"/>
+          </a:xfrm>
+          <a:prstGeom prst="rect">
+            <a:avLst/>
+          </a:prstGeom>
+        </p:spPr>
+        <p:style>
+          <a:lnRef idx="2">
+            <a:schemeClr val="accent1">
+              <a:shade val="50000"/>
+            </a:schemeClr>
+          </a:lnRef>
+          <a:fillRef idx="1">
+            <a:schemeClr val="accent1"/>
+          </a:fillRef>
+          <a:effectRef idx="0">
+            <a:schemeClr val="accent1"/>
+          </a:effectRef>
+          <a:fontRef idx="minor">
+            <a:schemeClr val="lt1"/>
+          </a:fontRef>
+        </p:style>
+        <p:txBody>
+          <a:bodyPr rtlCol="0" anchor="ctr"/>
+          <a:lstStyle/>
+          <a:p>
+            <a:pPr algn="ctr"/>
+            <a:endParaRPr lang="zh-TW" altLang="en-US"/>
+          </a:p>
+        </p:txBody>
+      </p:sp>
+      <p:sp>
+        <p:nvSpPr>
+          <p:cNvPr id="5" name="矩形 4"/>
+          <p:cNvSpPr/>
+          <p:nvPr/>
+        </p:nvSpPr>
+        <p:spPr>
+          <a:xfrm>
+            <a:off x="4312900" y="2408028"/>
+            <a:ext cx="3577390" cy="1203158"/>
+          </a:xfrm>
+          <a:prstGeom prst="rect">
+            <a:avLst/>
+          </a:prstGeom>
+        </p:spPr>
+        <p:style>
+          <a:lnRef idx="2">
+            <a:schemeClr val="accent1">
+              <a:shade val="50000"/>
+            </a:schemeClr>
+          </a:lnRef>
+          <a:fillRef idx="1">
+            <a:schemeClr val="accent1"/>
+          </a:fillRef>
+          <a:effectRef idx="0">
+            <a:schemeClr val="accent1"/>
+          </a:effectRef>
+          <a:fontRef idx="minor">
+            <a:schemeClr val="lt1"/>
+          </a:fontRef>
+        </p:style>
+        <p:txBody>
+          <a:bodyPr rtlCol="0" anchor="ctr"/>
+          <a:lstStyle/>
+          <a:p>
+            <a:pPr algn="ctr"/>
+            <a:endParaRPr lang="zh-TW" altLang="en-US"/>
+          </a:p>
+        </p:txBody>
+      </p:sp>
+      <p:sp>
+        <p:nvSpPr>
+          <p:cNvPr id="6" name="矩形 5"/>
+          <p:cNvSpPr/>
+          <p:nvPr/>
+        </p:nvSpPr>
+        <p:spPr>
+          <a:xfrm>
+            <a:off x="320387" y="2406315"/>
+            <a:ext cx="3577390" cy="1203158"/>
+          </a:xfrm>
+          <a:prstGeom prst="rect">
+            <a:avLst/>
+          </a:prstGeom>
+        </p:spPr>
+        <p:style>
+          <a:lnRef idx="2">
+            <a:schemeClr val="accent1">
+              <a:shade val="50000"/>
+            </a:schemeClr>
+          </a:lnRef>
+          <a:fillRef idx="1">
+            <a:schemeClr val="accent1"/>
+          </a:fillRef>
+          <a:effectRef idx="0">
+            <a:schemeClr val="accent1"/>
+          </a:effectRef>
+          <a:fontRef idx="minor">
+            <a:schemeClr val="lt1"/>
+          </a:fontRef>
+        </p:style>
+        <p:txBody>
+          <a:bodyPr rtlCol="0" anchor="ctr"/>
+          <a:lstStyle/>
+          <a:p>
+            <a:pPr algn="ctr"/>
+            <a:endParaRPr lang="zh-TW" altLang="en-US"/>
+          </a:p>
+        </p:txBody>
+      </p:sp>
+      <p:sp>
+        <p:nvSpPr>
+          <p:cNvPr id="7" name="矩形 6"/>
+          <p:cNvSpPr/>
+          <p:nvPr/>
+        </p:nvSpPr>
+        <p:spPr>
+          <a:xfrm>
+            <a:off x="8374435" y="2371077"/>
+            <a:ext cx="3577390" cy="1203158"/>
+          </a:xfrm>
+          <a:prstGeom prst="rect">
+            <a:avLst/>
+          </a:prstGeom>
+        </p:spPr>
+        <p:style>
+          <a:lnRef idx="2">
+            <a:schemeClr val="accent1">
+              <a:shade val="50000"/>
+            </a:schemeClr>
+          </a:lnRef>
+          <a:fillRef idx="1">
+            <a:schemeClr val="accent1"/>
+          </a:fillRef>
+          <a:effectRef idx="0">
+            <a:schemeClr val="accent1"/>
+          </a:effectRef>
+          <a:fontRef idx="minor">
+            <a:schemeClr val="lt1"/>
+          </a:fontRef>
+        </p:style>
+        <p:txBody>
+          <a:bodyPr rtlCol="0" anchor="ctr"/>
+          <a:lstStyle/>
+          <a:p>
+            <a:pPr algn="ctr"/>
+            <a:endParaRPr lang="zh-TW" altLang="en-US"/>
+          </a:p>
+        </p:txBody>
+      </p:sp>
+      <p:sp>
+        <p:nvSpPr>
+          <p:cNvPr id="8" name="矩形 7"/>
+          <p:cNvSpPr/>
+          <p:nvPr/>
+        </p:nvSpPr>
+        <p:spPr>
+          <a:xfrm>
+            <a:off x="320387" y="3898231"/>
+            <a:ext cx="850687" cy="2582780"/>
+          </a:xfrm>
+          <a:prstGeom prst="rect">
+            <a:avLst/>
+          </a:prstGeom>
+        </p:spPr>
+        <p:style>
+          <a:lnRef idx="2">
+            <a:schemeClr val="accent1">
+              <a:shade val="50000"/>
+            </a:schemeClr>
+          </a:lnRef>
+          <a:fillRef idx="1">
+            <a:schemeClr val="accent1"/>
+          </a:fillRef>
+          <a:effectRef idx="0">
+            <a:schemeClr val="accent1"/>
+          </a:effectRef>
+          <a:fontRef idx="minor">
+            <a:schemeClr val="lt1"/>
+          </a:fontRef>
+        </p:style>
+        <p:txBody>
+          <a:bodyPr rtlCol="0" anchor="ctr"/>
+          <a:lstStyle/>
+          <a:p>
+            <a:pPr algn="ctr"/>
+            <a:endParaRPr lang="zh-TW" altLang="en-US"/>
+          </a:p>
+        </p:txBody>
+      </p:sp>
+      <p:sp>
+        <p:nvSpPr>
+          <p:cNvPr id="9" name="矩形 8"/>
+          <p:cNvSpPr/>
+          <p:nvPr/>
+        </p:nvSpPr>
+        <p:spPr>
+          <a:xfrm>
+            <a:off x="1499482" y="3898231"/>
+            <a:ext cx="850687" cy="2582780"/>
+          </a:xfrm>
+          <a:prstGeom prst="rect">
+            <a:avLst/>
+          </a:prstGeom>
+        </p:spPr>
+        <p:style>
+          <a:lnRef idx="2">
+            <a:schemeClr val="accent1">
+              <a:shade val="50000"/>
+            </a:schemeClr>
+          </a:lnRef>
+          <a:fillRef idx="1">
+            <a:schemeClr val="accent1"/>
+          </a:fillRef>
+          <a:effectRef idx="0">
+            <a:schemeClr val="accent1"/>
+          </a:effectRef>
+          <a:fontRef idx="minor">
+            <a:schemeClr val="lt1"/>
+          </a:fontRef>
+        </p:style>
+        <p:txBody>
+          <a:bodyPr rtlCol="0" anchor="ctr"/>
+          <a:lstStyle/>
+          <a:p>
+            <a:pPr algn="ctr"/>
+            <a:endParaRPr lang="zh-TW" altLang="en-US"/>
+          </a:p>
+        </p:txBody>
+      </p:sp>
+      <p:sp>
+        <p:nvSpPr>
+          <p:cNvPr id="10" name="矩形 9"/>
+          <p:cNvSpPr/>
+          <p:nvPr/>
+        </p:nvSpPr>
+        <p:spPr>
+          <a:xfrm>
+            <a:off x="3540004" y="5189621"/>
+            <a:ext cx="1261885" cy="923330"/>
+          </a:xfrm>
+          <a:prstGeom prst="rect">
+            <a:avLst/>
+          </a:prstGeom>
+          <a:noFill/>
+        </p:spPr>
+        <p:txBody>
+          <a:bodyPr wrap="none" lIns="91440" tIns="45720" rIns="91440" bIns="45720">
+            <a:spAutoFit/>
+          </a:bodyPr>
+          <a:lstStyle/>
+          <a:p>
+            <a:pPr algn="ctr"/>
+            <a:r>
+              <a:rPr lang="en-US" altLang="zh-TW" sz="5400" b="0" cap="none" spc="0" dirty="0" smtClean="0">
+                <a:ln w="0"/>
+                <a:solidFill>
+                  <a:schemeClr val="tx1"/>
+                </a:solidFill>
+                <a:effectLst>
+                  <a:outerShdw blurRad="38100" dist="19050" dir="2700000" algn="tl" rotWithShape="0">
+                    <a:schemeClr val="dk1">
+                      <a:alpha val="40000"/>
+                    </a:schemeClr>
+                  </a:outerShdw>
+                </a:effectLst>
+              </a:rPr>
+              <a:t>…..</a:t>
+            </a:r>
+            <a:endParaRPr lang="zh-TW" altLang="en-US" sz="5400" b="0" cap="none" spc="0" dirty="0">
+              <a:ln w="0"/>
+              <a:solidFill>
+                <a:schemeClr val="tx1"/>
+              </a:solidFill>
+              <a:effectLst>
+                <a:outerShdw blurRad="38100" dist="19050" dir="2700000" algn="tl" rotWithShape="0">
+                  <a:schemeClr val="dk1">
+                    <a:alpha val="40000"/>
+                  </a:schemeClr>
+                </a:outerShdw>
+              </a:effectLst>
+            </a:endParaRPr>
+          </a:p>
+        </p:txBody>
+      </p:sp>
+      <p:sp>
+        <p:nvSpPr>
+          <p:cNvPr id="11" name="矩形 10"/>
+          <p:cNvSpPr/>
+          <p:nvPr/>
+        </p:nvSpPr>
+        <p:spPr>
+          <a:xfrm>
+            <a:off x="4355432" y="1075153"/>
+            <a:ext cx="3647152" cy="923330"/>
+          </a:xfrm>
+          <a:prstGeom prst="rect">
+            <a:avLst/>
+          </a:prstGeom>
+          <a:noFill/>
+        </p:spPr>
+        <p:txBody>
+          <a:bodyPr wrap="none" lIns="91440" tIns="45720" rIns="91440" bIns="45720">
+            <a:spAutoFit/>
+          </a:bodyPr>
+          <a:lstStyle/>
+          <a:p>
+            <a:pPr algn="ctr"/>
+            <a:r>
+              <a:rPr lang="zh-TW" altLang="en-US" sz="5400" b="0" cap="none" spc="0" dirty="0" smtClean="0">
+                <a:ln w="0"/>
+                <a:solidFill>
+                  <a:schemeClr val="tx1"/>
+                </a:solidFill>
+                <a:effectLst>
+                  <a:outerShdw blurRad="38100" dist="19050" dir="2700000" algn="tl" rotWithShape="0">
+                    <a:schemeClr val="dk1">
+                      <a:alpha val="40000"/>
+                    </a:schemeClr>
+                  </a:outerShdw>
+                </a:effectLst>
+              </a:rPr>
+              <a:t>網站主頁面</a:t>
+            </a:r>
+            <a:endParaRPr lang="zh-TW" altLang="en-US" sz="5400" b="0" cap="none" spc="0" dirty="0">
+              <a:ln w="0"/>
+              <a:solidFill>
+                <a:schemeClr val="tx1"/>
+              </a:solidFill>
+              <a:effectLst>
+                <a:outerShdw blurRad="38100" dist="19050" dir="2700000" algn="tl" rotWithShape="0">
+                  <a:schemeClr val="dk1">
+                    <a:alpha val="40000"/>
+                  </a:schemeClr>
+                </a:outerShdw>
+              </a:effectLst>
+            </a:endParaRPr>
+          </a:p>
+        </p:txBody>
+      </p:sp>
+      <p:sp>
+        <p:nvSpPr>
+          <p:cNvPr id="12" name="矩形 11"/>
+          <p:cNvSpPr/>
+          <p:nvPr/>
+        </p:nvSpPr>
+        <p:spPr>
+          <a:xfrm>
+            <a:off x="666636" y="2546229"/>
+            <a:ext cx="2954655" cy="923330"/>
+          </a:xfrm>
+          <a:prstGeom prst="rect">
+            <a:avLst/>
+          </a:prstGeom>
+          <a:noFill/>
+        </p:spPr>
+        <p:txBody>
+          <a:bodyPr wrap="none" lIns="91440" tIns="45720" rIns="91440" bIns="45720">
+            <a:spAutoFit/>
+          </a:bodyPr>
+          <a:lstStyle/>
+          <a:p>
+            <a:pPr algn="ctr"/>
+            <a:r>
+              <a:rPr lang="zh-TW" altLang="en-US" sz="5400">
+                <a:ln w="0"/>
+                <a:effectLst>
+                  <a:outerShdw blurRad="38100" dist="19050" dir="2700000" algn="tl" rotWithShape="0">
+                    <a:schemeClr val="dk1">
+                      <a:alpha val="40000"/>
+                    </a:schemeClr>
+                  </a:outerShdw>
+                </a:effectLst>
+              </a:rPr>
+              <a:t>各區網站</a:t>
+            </a:r>
+            <a:endParaRPr lang="zh-TW" altLang="en-US" sz="5400" dirty="0">
+              <a:ln w="0"/>
+              <a:effectLst>
+                <a:outerShdw blurRad="38100" dist="19050" dir="2700000" algn="tl" rotWithShape="0">
+                  <a:schemeClr val="dk1">
+                    <a:alpha val="40000"/>
+                  </a:schemeClr>
+                </a:outerShdw>
+              </a:effectLst>
+            </a:endParaRPr>
+          </a:p>
+        </p:txBody>
+      </p:sp>
+      <p:sp>
+        <p:nvSpPr>
+          <p:cNvPr id="13" name="矩形 12"/>
+          <p:cNvSpPr/>
+          <p:nvPr/>
+        </p:nvSpPr>
+        <p:spPr>
+          <a:xfrm>
+            <a:off x="168214" y="3789237"/>
+            <a:ext cx="1155031" cy="2800767"/>
+          </a:xfrm>
+          <a:prstGeom prst="rect">
+            <a:avLst/>
+          </a:prstGeom>
+          <a:noFill/>
+        </p:spPr>
+        <p:txBody>
+          <a:bodyPr wrap="square" lIns="91440" tIns="45720" rIns="91440" bIns="45720">
+            <a:spAutoFit/>
+          </a:bodyPr>
+          <a:lstStyle/>
+          <a:p>
+            <a:pPr algn="ctr"/>
+            <a:r>
+              <a:rPr lang="zh-TW" altLang="en-US" sz="4400" b="0" cap="none" spc="0" dirty="0" smtClean="0">
+                <a:ln w="0"/>
+                <a:solidFill>
+                  <a:schemeClr val="tx1"/>
+                </a:solidFill>
+                <a:effectLst>
+                  <a:outerShdw blurRad="38100" dist="19050" dir="2700000" algn="tl" rotWithShape="0">
+                    <a:schemeClr val="dk1">
+                      <a:alpha val="40000"/>
+                    </a:schemeClr>
+                  </a:outerShdw>
+                </a:effectLst>
+              </a:rPr>
+              <a:t>各區美食</a:t>
+            </a:r>
+            <a:endParaRPr lang="zh-TW" altLang="en-US" sz="4400" b="0" cap="none" spc="0" dirty="0">
+              <a:ln w="0"/>
+              <a:solidFill>
+                <a:schemeClr val="tx1"/>
+              </a:solidFill>
+              <a:effectLst>
+                <a:outerShdw blurRad="38100" dist="19050" dir="2700000" algn="tl" rotWithShape="0">
+                  <a:schemeClr val="dk1">
+                    <a:alpha val="40000"/>
+                  </a:schemeClr>
+                </a:outerShdw>
+              </a:effectLst>
+            </a:endParaRPr>
+          </a:p>
+        </p:txBody>
+      </p:sp>
+      <p:sp>
+        <p:nvSpPr>
+          <p:cNvPr id="14" name="矩形 13"/>
+          <p:cNvSpPr/>
+          <p:nvPr/>
+        </p:nvSpPr>
+        <p:spPr>
+          <a:xfrm>
+            <a:off x="4424747" y="2604421"/>
+            <a:ext cx="2954655" cy="923330"/>
+          </a:xfrm>
+          <a:prstGeom prst="rect">
+            <a:avLst/>
+          </a:prstGeom>
+          <a:noFill/>
+        </p:spPr>
+        <p:txBody>
+          <a:bodyPr wrap="none" lIns="91440" tIns="45720" rIns="91440" bIns="45720">
+            <a:spAutoFit/>
+          </a:bodyPr>
+          <a:lstStyle/>
+          <a:p>
+            <a:pPr algn="ctr"/>
+            <a:r>
+              <a:rPr lang="zh-TW" altLang="en-US" sz="5400">
+                <a:ln w="0"/>
+                <a:effectLst>
+                  <a:outerShdw blurRad="38100" dist="19050" dir="2700000" algn="tl" rotWithShape="0">
+                    <a:schemeClr val="dk1">
+                      <a:alpha val="40000"/>
+                    </a:schemeClr>
+                  </a:outerShdw>
+                </a:effectLst>
+              </a:rPr>
+              <a:t>各區網站</a:t>
+            </a:r>
+            <a:endParaRPr lang="zh-TW" altLang="en-US" sz="5400" dirty="0">
+              <a:ln w="0"/>
+              <a:effectLst>
+                <a:outerShdw blurRad="38100" dist="19050" dir="2700000" algn="tl" rotWithShape="0">
+                  <a:schemeClr val="dk1">
+                    <a:alpha val="40000"/>
+                  </a:schemeClr>
+                </a:outerShdw>
+              </a:effectLst>
+            </a:endParaRPr>
+          </a:p>
+        </p:txBody>
+      </p:sp>
+      <p:sp>
+        <p:nvSpPr>
+          <p:cNvPr id="15" name="矩形 14"/>
+          <p:cNvSpPr/>
+          <p:nvPr/>
+        </p:nvSpPr>
+        <p:spPr>
+          <a:xfrm>
+            <a:off x="8901405" y="2546229"/>
+            <a:ext cx="2954655" cy="923330"/>
+          </a:xfrm>
+          <a:prstGeom prst="rect">
+            <a:avLst/>
+          </a:prstGeom>
+          <a:noFill/>
+        </p:spPr>
+        <p:txBody>
+          <a:bodyPr wrap="none" lIns="91440" tIns="45720" rIns="91440" bIns="45720">
+            <a:spAutoFit/>
+          </a:bodyPr>
+          <a:lstStyle/>
+          <a:p>
+            <a:pPr algn="ctr"/>
+            <a:r>
+              <a:rPr lang="zh-TW" altLang="en-US" sz="5400">
+                <a:ln w="0"/>
+                <a:effectLst>
+                  <a:outerShdw blurRad="38100" dist="19050" dir="2700000" algn="tl" rotWithShape="0">
+                    <a:schemeClr val="dk1">
+                      <a:alpha val="40000"/>
+                    </a:schemeClr>
+                  </a:outerShdw>
+                </a:effectLst>
+              </a:rPr>
+              <a:t>各區網站</a:t>
+            </a:r>
+            <a:endParaRPr lang="zh-TW" altLang="en-US" sz="5400" dirty="0">
+              <a:ln w="0"/>
+              <a:effectLst>
+                <a:outerShdw blurRad="38100" dist="19050" dir="2700000" algn="tl" rotWithShape="0">
+                  <a:schemeClr val="dk1">
+                    <a:alpha val="40000"/>
+                  </a:schemeClr>
+                </a:outerShdw>
+              </a:effectLst>
+            </a:endParaRPr>
+          </a:p>
+        </p:txBody>
+      </p:sp>
+    </p:spTree>
+    <p:extLst>
+      <p:ext uri="{BB962C8B-B14F-4D97-AF65-F5344CB8AC3E}">
+        <p14:creationId xmlns:p14="http://schemas.microsoft.com/office/powerpoint/2010/main" val="2127282865"/>
+      </p:ext>
+    </p:extLst>
+  </p:cSld>
+  <p:clrMapOvr>
+    <a:masterClrMapping/>
+  </p:clrMapOvr>
+</p:sld>
+</file>
+
+<file path=ppt/slides/slide4.xml><?xml version="1.0" encoding="utf-8"?>
+<p:sld xmlns:a="http://schemas.openxmlformats.org/drawingml/2006/main" xmlns:r="http://schemas.openxmlformats.org/officeDocument/2006/relationships" xmlns:p="http://schemas.openxmlformats.org/presentationml/2006/main">
+  <p:cSld>
+    <p:spTree>
+      <p:nvGrpSpPr>
+        <p:cNvPr id="1" name=""/>
+        <p:cNvGrpSpPr/>
+        <p:nvPr/>
+      </p:nvGrpSpPr>
+      <p:grpSpPr>
+        <a:xfrm>
+          <a:off x="0" y="0"/>
+          <a:ext cx="0" cy="0"/>
+          <a:chOff x="0" y="0"/>
+          <a:chExt cx="0" cy="0"/>
+        </a:xfrm>
+      </p:grpSpPr>
+      <p:sp>
+        <p:nvSpPr>
+          <p:cNvPr id="2" name="標題 1"/>
+          <p:cNvSpPr>
+            <a:spLocks noGrp="1"/>
+          </p:cNvSpPr>
+          <p:nvPr>
+            <p:ph type="title"/>
+          </p:nvPr>
+        </p:nvSpPr>
+        <p:spPr/>
+        <p:txBody>
+          <a:bodyPr/>
+          <a:lstStyle/>
+          <a:p>
+            <a:r>
+              <a:rPr lang="zh-TW" altLang="en-US" dirty="0"/>
+              <a:t>使用</a:t>
+            </a:r>
+            <a:r>
+              <a:rPr lang="zh-TW" altLang="en-US" dirty="0" smtClean="0"/>
+              <a:t>之</a:t>
+            </a:r>
+            <a:r>
+              <a:rPr lang="en-US" altLang="zh-TW" dirty="0" smtClean="0"/>
+              <a:t>Web</a:t>
+            </a:r>
+            <a:r>
+              <a:rPr lang="zh-TW" altLang="en-US" dirty="0" smtClean="0"/>
+              <a:t>技術</a:t>
+            </a:r>
+            <a:r>
+              <a:rPr lang="zh-TW" altLang="en-US" dirty="0"/>
+              <a:t/>
+            </a:r>
+            <a:br>
+              <a:rPr lang="zh-TW" altLang="en-US" dirty="0"/>
+            </a:br>
+            <a:endParaRPr lang="zh-TW" altLang="en-US" dirty="0"/>
+          </a:p>
+        </p:txBody>
+      </p:sp>
+      <p:sp>
+        <p:nvSpPr>
+          <p:cNvPr id="3" name="內容版面配置區 2"/>
+          <p:cNvSpPr>
+            <a:spLocks noGrp="1"/>
+          </p:cNvSpPr>
+          <p:nvPr>
+            <p:ph idx="1"/>
+          </p:nvPr>
+        </p:nvSpPr>
+        <p:spPr/>
+        <p:txBody>
+          <a:bodyPr/>
+          <a:lstStyle/>
+          <a:p>
+            <a:r>
+              <a:rPr lang="en-US" altLang="zh-TW" sz="3200" dirty="0" err="1" smtClean="0"/>
+              <a:t>Jquery</a:t>
+            </a:r>
+            <a:endParaRPr lang="en-US" altLang="zh-TW" sz="3200" dirty="0" smtClean="0"/>
+          </a:p>
+          <a:p>
+            <a:r>
+              <a:rPr lang="en-US" altLang="zh-TW" sz="3200" dirty="0" err="1" smtClean="0"/>
+              <a:t>Javascript</a:t>
+            </a:r>
+            <a:endParaRPr lang="en-US" altLang="zh-TW" sz="3200" dirty="0" smtClean="0"/>
+          </a:p>
+          <a:p>
+            <a:r>
+              <a:rPr lang="en-US" altLang="zh-TW" sz="3200" dirty="0" smtClean="0"/>
+              <a:t>Google </a:t>
+            </a:r>
+            <a:r>
+              <a:rPr lang="en-US" altLang="zh-TW" sz="3200" dirty="0" err="1" smtClean="0"/>
+              <a:t>api</a:t>
+            </a:r>
+            <a:endParaRPr lang="en-US" altLang="zh-TW" sz="3200" dirty="0" smtClean="0"/>
+          </a:p>
+          <a:p>
+            <a:r>
+              <a:rPr lang="en-US" altLang="zh-TW" sz="3200" dirty="0" err="1" smtClean="0"/>
+              <a:t>Css</a:t>
+            </a:r>
+            <a:endParaRPr lang="en-US" altLang="zh-TW" sz="3200" dirty="0" smtClean="0"/>
+          </a:p>
+          <a:p>
+            <a:r>
+              <a:rPr lang="en-US" altLang="zh-TW" sz="3200" dirty="0" smtClean="0"/>
+              <a:t>Html</a:t>
+            </a:r>
+          </a:p>
+          <a:p>
+            <a:r>
+              <a:rPr lang="zh-TW" altLang="en-US" sz="3200" dirty="0" smtClean="0"/>
+              <a:t>各部落客</a:t>
+            </a:r>
+            <a:r>
+              <a:rPr lang="zh-TW" altLang="en-US" sz="3200" dirty="0"/>
+              <a:t>文章</a:t>
+            </a:r>
+          </a:p>
+        </p:txBody>
+      </p:sp>
+    </p:spTree>
+    <p:extLst>
+      <p:ext uri="{BB962C8B-B14F-4D97-AF65-F5344CB8AC3E}">
+        <p14:creationId xmlns:p14="http://schemas.microsoft.com/office/powerpoint/2010/main" val="504391907"/>
+      </p:ext>
+    </p:extLst>
+  </p:cSld>
+  <p:clrMapOvr>
+    <a:masterClrMapping/>
+  </p:clrMapOvr>
+</p:sld>
+</file>
+
+<file path=ppt/slides/slide5.xml><?xml version="1.0" encoding="utf-8"?>
+<p:sld xmlns:a="http://schemas.openxmlformats.org/drawingml/2006/main" xmlns:r="http://schemas.openxmlformats.org/officeDocument/2006/relationships" xmlns:p="http://schemas.openxmlformats.org/presentationml/2006/main">
+  <p:cSld>
+    <p:spTree>
+      <p:nvGrpSpPr>
+        <p:cNvPr id="1" name=""/>
+        <p:cNvGrpSpPr/>
+        <p:nvPr/>
+      </p:nvGrpSpPr>
+      <p:grpSpPr>
+        <a:xfrm>
+          <a:off x="0" y="0"/>
+          <a:ext cx="0" cy="0"/>
+          <a:chOff x="0" y="0"/>
+          <a:chExt cx="0" cy="0"/>
+        </a:xfrm>
+      </p:grpSpPr>
+      <p:sp>
+        <p:nvSpPr>
+          <p:cNvPr id="2" name="標題 1"/>
+          <p:cNvSpPr>
+            <a:spLocks noGrp="1"/>
+          </p:cNvSpPr>
+          <p:nvPr>
+            <p:ph type="title"/>
+          </p:nvPr>
+        </p:nvSpPr>
+        <p:spPr/>
+        <p:txBody>
+          <a:bodyPr/>
+          <a:lstStyle/>
+          <a:p>
+            <a:r>
+              <a:rPr lang="zh-TW" altLang="en-US" dirty="0"/>
+              <a:t>網站的特色與優點</a:t>
+            </a:r>
+            <a:endParaRPr lang="zh-TW" altLang="en-US" dirty="0"/>
+          </a:p>
+        </p:txBody>
+      </p:sp>
+      <p:sp>
+        <p:nvSpPr>
+          <p:cNvPr id="3" name="內容版面配置區 2"/>
+          <p:cNvSpPr>
+            <a:spLocks noGrp="1"/>
+          </p:cNvSpPr>
+          <p:nvPr>
+            <p:ph idx="1"/>
+          </p:nvPr>
+        </p:nvSpPr>
+        <p:spPr/>
+        <p:txBody>
+          <a:bodyPr>
+            <a:normAutofit/>
+          </a:bodyPr>
+          <a:lstStyle/>
+          <a:p>
+            <a:r>
+              <a:rPr lang="zh-TW" altLang="en-US" sz="3200" dirty="0" smtClean="0"/>
+              <a:t>將網路上有節目或是有人推薦的店家統整，並節錄網路上的文章圖片等等，方便大家瀏覽</a:t>
+            </a:r>
+            <a:endParaRPr lang="en-US" altLang="zh-TW" sz="3200" dirty="0" smtClean="0"/>
+          </a:p>
+          <a:p>
+            <a:r>
+              <a:rPr lang="zh-TW" altLang="en-US" sz="3200" dirty="0" smtClean="0"/>
+              <a:t>加入</a:t>
+            </a:r>
+            <a:r>
+              <a:rPr lang="en-US" altLang="zh-TW" sz="3200" dirty="0" smtClean="0"/>
+              <a:t>googl</a:t>
+            </a:r>
+            <a:r>
+              <a:rPr lang="en-US" altLang="zh-TW" sz="3200" dirty="0"/>
+              <a:t>e</a:t>
+            </a:r>
+            <a:r>
+              <a:rPr lang="zh-TW" altLang="en-US" sz="3200" dirty="0" smtClean="0"/>
+              <a:t>地圖可以快速找到位置</a:t>
+            </a:r>
+            <a:endParaRPr lang="en-US" altLang="zh-TW" sz="3200" dirty="0" smtClean="0"/>
+          </a:p>
+          <a:p>
+            <a:r>
+              <a:rPr lang="zh-TW" altLang="en-US" sz="3200" dirty="0" smtClean="0"/>
+              <a:t>網路上資訊太亂，經過整理後可快速找到店家資</a:t>
+            </a:r>
+            <a:r>
+              <a:rPr lang="zh-TW" altLang="en-US" sz="3200" dirty="0"/>
+              <a:t>訊</a:t>
+            </a:r>
+            <a:endParaRPr lang="en-US" altLang="zh-TW" sz="3200" dirty="0" smtClean="0"/>
+          </a:p>
+        </p:txBody>
+      </p:sp>
+    </p:spTree>
+    <p:extLst>
+      <p:ext uri="{BB962C8B-B14F-4D97-AF65-F5344CB8AC3E}">
+        <p14:creationId xmlns:p14="http://schemas.microsoft.com/office/powerpoint/2010/main" val="450171319"/>
+      </p:ext>
+    </p:extLst>
+  </p:cSld>
+  <p:clrMapOvr>
+    <a:masterClrMapping/>
+  </p:clrMapOvr>
+</p:sld>
+</file>
+
+<file path=ppt/slides/slide6.xml><?xml version="1.0" encoding="utf-8"?>
+<p:sld xmlns:a="http://schemas.openxmlformats.org/drawingml/2006/main" xmlns:r="http://schemas.openxmlformats.org/officeDocument/2006/relationships" xmlns:p="http://schemas.openxmlformats.org/presentationml/2006/main">
+  <p:cSld>
+    <p:spTree>
+      <p:nvGrpSpPr>
+        <p:cNvPr id="1" name=""/>
+        <p:cNvGrpSpPr/>
+        <p:nvPr/>
+      </p:nvGrpSpPr>
+      <p:grpSpPr>
+        <a:xfrm>
+          <a:off x="0" y="0"/>
+          <a:ext cx="0" cy="0"/>
+          <a:chOff x="0" y="0"/>
+          <a:chExt cx="0" cy="0"/>
+        </a:xfrm>
+      </p:grpSpPr>
+      <p:sp>
+        <p:nvSpPr>
+          <p:cNvPr id="2" name="標題 1"/>
+          <p:cNvSpPr>
+            <a:spLocks noGrp="1"/>
+          </p:cNvSpPr>
+          <p:nvPr>
+            <p:ph type="title"/>
+          </p:nvPr>
+        </p:nvSpPr>
+        <p:spPr/>
+        <p:txBody>
+          <a:bodyPr/>
+          <a:lstStyle/>
+          <a:p>
+            <a:r>
+              <a:rPr lang="zh-TW" altLang="en-US" dirty="0" smtClean="0"/>
+              <a:t>分工</a:t>
+            </a:r>
+            <a:endParaRPr lang="zh-TW" altLang="en-US" dirty="0"/>
+          </a:p>
+        </p:txBody>
+      </p:sp>
+      <p:sp>
+        <p:nvSpPr>
+          <p:cNvPr id="3" name="內容版面配置區 2"/>
+          <p:cNvSpPr>
+            <a:spLocks noGrp="1"/>
+          </p:cNvSpPr>
+          <p:nvPr>
+            <p:ph idx="1"/>
+          </p:nvPr>
+        </p:nvSpPr>
+        <p:spPr/>
+        <p:txBody>
+          <a:bodyPr>
+            <a:normAutofit/>
+          </a:bodyPr>
+          <a:lstStyle/>
+          <a:p>
+            <a:r>
+              <a:rPr lang="zh-TW" altLang="en-US" sz="4000" dirty="0" smtClean="0"/>
+              <a:t>施信宏</a:t>
+            </a:r>
+            <a:r>
+              <a:rPr lang="en-US" altLang="zh-TW" sz="4000" dirty="0" smtClean="0"/>
+              <a:t>:UI</a:t>
+            </a:r>
+            <a:r>
+              <a:rPr lang="zh-TW" altLang="en-US" sz="4000" dirty="0" smtClean="0"/>
+              <a:t>介面、地圖、四區文案</a:t>
+            </a:r>
+            <a:endParaRPr lang="en-US" altLang="zh-TW" sz="4000" dirty="0" smtClean="0"/>
+          </a:p>
+          <a:p>
+            <a:r>
+              <a:rPr lang="zh-TW" altLang="en-US" sz="4000" dirty="0" smtClean="0"/>
+              <a:t>張清堯</a:t>
+            </a:r>
+            <a:r>
+              <a:rPr lang="en-US" altLang="zh-TW" sz="4000" dirty="0" smtClean="0"/>
+              <a:t>:</a:t>
+            </a:r>
+            <a:r>
+              <a:rPr lang="zh-TW" altLang="en-US" sz="4000" dirty="0" smtClean="0"/>
+              <a:t>三區文案、整理連結、上</a:t>
+            </a:r>
+            <a:r>
+              <a:rPr lang="zh-TW" altLang="en-US" sz="4000" dirty="0"/>
+              <a:t>架</a:t>
+            </a:r>
+            <a:endParaRPr lang="en-US" altLang="zh-TW" sz="4000" dirty="0" smtClean="0"/>
+          </a:p>
+        </p:txBody>
+      </p:sp>
+    </p:spTree>
+    <p:extLst>
+      <p:ext uri="{BB962C8B-B14F-4D97-AF65-F5344CB8AC3E}">
+        <p14:creationId xmlns:p14="http://schemas.microsoft.com/office/powerpoint/2010/main" val="871491"/>
+      </p:ext>
+    </p:extLst>
+  </p:cSld>
+  <p:clrMapOvr>
+    <a:masterClrMapping/>
+  </p:clrMapOvr>
 </p:sld>
 </file>
 

--- a/報告.pptx
+++ b/報告.pptx
@@ -11,6 +11,7 @@
     <p:sldId id="259" r:id="rId5"/>
     <p:sldId id="260" r:id="rId6"/>
     <p:sldId id="261" r:id="rId7"/>
+    <p:sldId id="262" r:id="rId8"/>
   </p:sldIdLst>
   <p:sldSz cx="12192000" cy="6858000"/>
   <p:notesSz cx="6858000" cy="9144000"/>
@@ -303,7 +304,7 @@
           <a:p>
             <a:fld id="{4940DFB1-FBFE-4E1B-ADA1-5566BF8D91E7}" type="datetimeFigureOut">
               <a:rPr lang="zh-TW" altLang="en-US" smtClean="0"/>
-              <a:t>2018/6/20</a:t>
+              <a:t>2018/6/29</a:t>
             </a:fld>
             <a:endParaRPr lang="zh-TW" altLang="en-US"/>
           </a:p>
@@ -578,7 +579,7 @@
           <a:p>
             <a:fld id="{4940DFB1-FBFE-4E1B-ADA1-5566BF8D91E7}" type="datetimeFigureOut">
               <a:rPr lang="zh-TW" altLang="en-US" smtClean="0"/>
-              <a:t>2018/6/20</a:t>
+              <a:t>2018/6/29</a:t>
             </a:fld>
             <a:endParaRPr lang="zh-TW" altLang="en-US"/>
           </a:p>
@@ -772,7 +773,7 @@
           <a:p>
             <a:fld id="{4940DFB1-FBFE-4E1B-ADA1-5566BF8D91E7}" type="datetimeFigureOut">
               <a:rPr lang="zh-TW" altLang="en-US" smtClean="0"/>
-              <a:t>2018/6/20</a:t>
+              <a:t>2018/6/29</a:t>
             </a:fld>
             <a:endParaRPr lang="zh-TW" altLang="en-US"/>
           </a:p>
@@ -1045,7 +1046,7 @@
           <a:p>
             <a:fld id="{4940DFB1-FBFE-4E1B-ADA1-5566BF8D91E7}" type="datetimeFigureOut">
               <a:rPr lang="zh-TW" altLang="en-US" smtClean="0"/>
-              <a:t>2018/6/20</a:t>
+              <a:t>2018/6/29</a:t>
             </a:fld>
             <a:endParaRPr lang="zh-TW" altLang="en-US"/>
           </a:p>
@@ -1386,7 +1387,7 @@
           <a:p>
             <a:fld id="{4940DFB1-FBFE-4E1B-ADA1-5566BF8D91E7}" type="datetimeFigureOut">
               <a:rPr lang="zh-TW" altLang="en-US" smtClean="0"/>
-              <a:t>2018/6/20</a:t>
+              <a:t>2018/6/29</a:t>
             </a:fld>
             <a:endParaRPr lang="zh-TW" altLang="en-US"/>
           </a:p>
@@ -2009,7 +2010,7 @@
           <a:p>
             <a:fld id="{4940DFB1-FBFE-4E1B-ADA1-5566BF8D91E7}" type="datetimeFigureOut">
               <a:rPr lang="zh-TW" altLang="en-US" smtClean="0"/>
-              <a:t>2018/6/20</a:t>
+              <a:t>2018/6/29</a:t>
             </a:fld>
             <a:endParaRPr lang="zh-TW" altLang="en-US"/>
           </a:p>
@@ -2869,7 +2870,7 @@
           <a:p>
             <a:fld id="{4940DFB1-FBFE-4E1B-ADA1-5566BF8D91E7}" type="datetimeFigureOut">
               <a:rPr lang="zh-TW" altLang="en-US" smtClean="0"/>
-              <a:t>2018/6/20</a:t>
+              <a:t>2018/6/29</a:t>
             </a:fld>
             <a:endParaRPr lang="zh-TW" altLang="en-US"/>
           </a:p>
@@ -3039,7 +3040,7 @@
           <a:p>
             <a:fld id="{4940DFB1-FBFE-4E1B-ADA1-5566BF8D91E7}" type="datetimeFigureOut">
               <a:rPr lang="zh-TW" altLang="en-US" smtClean="0"/>
-              <a:t>2018/6/20</a:t>
+              <a:t>2018/6/29</a:t>
             </a:fld>
             <a:endParaRPr lang="zh-TW" altLang="en-US"/>
           </a:p>
@@ -3219,7 +3220,7 @@
           <a:p>
             <a:fld id="{4940DFB1-FBFE-4E1B-ADA1-5566BF8D91E7}" type="datetimeFigureOut">
               <a:rPr lang="zh-TW" altLang="en-US" smtClean="0"/>
-              <a:t>2018/6/20</a:t>
+              <a:t>2018/6/29</a:t>
             </a:fld>
             <a:endParaRPr lang="zh-TW" altLang="en-US"/>
           </a:p>
@@ -3389,7 +3390,7 @@
           <a:p>
             <a:fld id="{4940DFB1-FBFE-4E1B-ADA1-5566BF8D91E7}" type="datetimeFigureOut">
               <a:rPr lang="zh-TW" altLang="en-US" smtClean="0"/>
-              <a:t>2018/6/20</a:t>
+              <a:t>2018/6/29</a:t>
             </a:fld>
             <a:endParaRPr lang="zh-TW" altLang="en-US"/>
           </a:p>
@@ -3636,7 +3637,7 @@
           <a:p>
             <a:fld id="{4940DFB1-FBFE-4E1B-ADA1-5566BF8D91E7}" type="datetimeFigureOut">
               <a:rPr lang="zh-TW" altLang="en-US" smtClean="0"/>
-              <a:t>2018/6/20</a:t>
+              <a:t>2018/6/29</a:t>
             </a:fld>
             <a:endParaRPr lang="zh-TW" altLang="en-US"/>
           </a:p>
@@ -3928,7 +3929,7 @@
           <a:p>
             <a:fld id="{4940DFB1-FBFE-4E1B-ADA1-5566BF8D91E7}" type="datetimeFigureOut">
               <a:rPr lang="zh-TW" altLang="en-US" smtClean="0"/>
-              <a:t>2018/6/20</a:t>
+              <a:t>2018/6/29</a:t>
             </a:fld>
             <a:endParaRPr lang="zh-TW" altLang="en-US"/>
           </a:p>
@@ -4372,7 +4373,7 @@
           <a:p>
             <a:fld id="{4940DFB1-FBFE-4E1B-ADA1-5566BF8D91E7}" type="datetimeFigureOut">
               <a:rPr lang="zh-TW" altLang="en-US" smtClean="0"/>
-              <a:t>2018/6/20</a:t>
+              <a:t>2018/6/29</a:t>
             </a:fld>
             <a:endParaRPr lang="zh-TW" altLang="en-US"/>
           </a:p>
@@ -4490,7 +4491,7 @@
           <a:p>
             <a:fld id="{4940DFB1-FBFE-4E1B-ADA1-5566BF8D91E7}" type="datetimeFigureOut">
               <a:rPr lang="zh-TW" altLang="en-US" smtClean="0"/>
-              <a:t>2018/6/20</a:t>
+              <a:t>2018/6/29</a:t>
             </a:fld>
             <a:endParaRPr lang="zh-TW" altLang="en-US"/>
           </a:p>
@@ -4585,7 +4586,7 @@
           <a:p>
             <a:fld id="{4940DFB1-FBFE-4E1B-ADA1-5566BF8D91E7}" type="datetimeFigureOut">
               <a:rPr lang="zh-TW" altLang="en-US" smtClean="0"/>
-              <a:t>2018/6/20</a:t>
+              <a:t>2018/6/29</a:t>
             </a:fld>
             <a:endParaRPr lang="zh-TW" altLang="en-US"/>
           </a:p>
@@ -4864,7 +4865,7 @@
           <a:p>
             <a:fld id="{4940DFB1-FBFE-4E1B-ADA1-5566BF8D91E7}" type="datetimeFigureOut">
               <a:rPr lang="zh-TW" altLang="en-US" smtClean="0"/>
-              <a:t>2018/6/20</a:t>
+              <a:t>2018/6/29</a:t>
             </a:fld>
             <a:endParaRPr lang="zh-TW" altLang="en-US"/>
           </a:p>
@@ -5139,7 +5140,7 @@
           <a:p>
             <a:fld id="{4940DFB1-FBFE-4E1B-ADA1-5566BF8D91E7}" type="datetimeFigureOut">
               <a:rPr lang="zh-TW" altLang="en-US" smtClean="0"/>
-              <a:t>2018/6/20</a:t>
+              <a:t>2018/6/29</a:t>
             </a:fld>
             <a:endParaRPr lang="zh-TW" altLang="en-US"/>
           </a:p>
@@ -5568,7 +5569,7 @@
           <a:p>
             <a:fld id="{4940DFB1-FBFE-4E1B-ADA1-5566BF8D91E7}" type="datetimeFigureOut">
               <a:rPr lang="zh-TW" altLang="en-US" smtClean="0"/>
-              <a:t>2018/6/20</a:t>
+              <a:t>2018/6/29</a:t>
             </a:fld>
             <a:endParaRPr lang="zh-TW" altLang="en-US"/>
           </a:p>
@@ -6182,6 +6183,68 @@
           </a:p>
         </p:txBody>
       </p:sp>
+      <p:sp>
+        <p:nvSpPr>
+          <p:cNvPr id="4" name="文字方塊 3"/>
+          <p:cNvSpPr txBox="1"/>
+          <p:nvPr/>
+        </p:nvSpPr>
+        <p:spPr>
+          <a:xfrm>
+            <a:off x="6813176" y="5374407"/>
+            <a:ext cx="5576047" cy="1200329"/>
+          </a:xfrm>
+          <a:prstGeom prst="rect">
+            <a:avLst/>
+          </a:prstGeom>
+          <a:noFill/>
+        </p:spPr>
+        <p:txBody>
+          <a:bodyPr wrap="square" rtlCol="0">
+            <a:spAutoFit/>
+          </a:bodyPr>
+          <a:lstStyle/>
+          <a:p>
+            <a:r>
+              <a:rPr lang="en-US" altLang="zh-TW" dirty="0">
+                <a:hlinkClick r:id="rId2"/>
+              </a:rPr>
+              <a:t>http://</a:t>
+            </a:r>
+            <a:r>
+              <a:rPr lang="en-US" altLang="zh-TW" dirty="0" smtClean="0">
+                <a:hlinkClick r:id="rId2"/>
+              </a:rPr>
+              <a:t>keelungfoodgo.ddns.net</a:t>
+            </a:r>
+            <a:endParaRPr lang="en-US" altLang="zh-TW" dirty="0" smtClean="0"/>
+          </a:p>
+          <a:p>
+            <a:r>
+              <a:rPr lang="en-US" altLang="zh-TW" dirty="0" smtClean="0"/>
+              <a:t>Or</a:t>
+            </a:r>
+          </a:p>
+          <a:p>
+            <a:r>
+              <a:rPr lang="en-US" altLang="zh-TW" dirty="0">
+                <a:hlinkClick r:id="rId3"/>
+              </a:rPr>
+              <a:t>https://</a:t>
+            </a:r>
+            <a:r>
+              <a:rPr lang="en-US" altLang="zh-TW" dirty="0" smtClean="0">
+                <a:hlinkClick r:id="rId3"/>
+              </a:rPr>
+              <a:t>philipchang8787.github.io/keelungfood</a:t>
+            </a:r>
+            <a:endParaRPr lang="en-US" altLang="zh-TW" dirty="0" smtClean="0"/>
+          </a:p>
+          <a:p>
+            <a:endParaRPr lang="zh-TW" altLang="en-US" dirty="0"/>
+          </a:p>
+        </p:txBody>
+      </p:sp>
     </p:spTree>
     <p:extLst>
       <p:ext uri="{BB962C8B-B14F-4D97-AF65-F5344CB8AC3E}">
@@ -6278,6 +6341,18 @@
           </a:p>
           <a:p>
             <a:r>
+              <a:rPr lang="en-US" altLang="zh-TW" sz="4000" dirty="0" smtClean="0"/>
+              <a:t>(</a:t>
+            </a:r>
+            <a:r>
+              <a:rPr lang="zh-TW" altLang="en-US" sz="4000" dirty="0" smtClean="0"/>
+              <a:t>更改的內容放在最末頁</a:t>
+            </a:r>
+            <a:r>
+              <a:rPr lang="en-US" altLang="zh-TW" sz="4000" dirty="0" smtClean="0"/>
+              <a:t>)</a:t>
+            </a:r>
+            <a:r>
               <a:rPr lang="zh-TW" altLang="en-US" sz="4000" dirty="0"/>
               <a:t/>
             </a:r>
@@ -6977,7 +7052,9 @@
         </p:nvSpPr>
         <p:spPr/>
         <p:txBody>
-          <a:bodyPr/>
+          <a:bodyPr>
+            <a:normAutofit lnSpcReduction="10000"/>
+          </a:bodyPr>
           <a:lstStyle/>
           <a:p>
             <a:r>
@@ -7001,6 +7078,13 @@
             <a:r>
               <a:rPr lang="en-US" altLang="zh-TW" sz="3200" dirty="0" err="1" smtClean="0"/>
               <a:t>api</a:t>
+            </a:r>
+            <a:endParaRPr lang="en-US" altLang="zh-TW" sz="3200" dirty="0" smtClean="0"/>
+          </a:p>
+          <a:p>
+            <a:r>
+              <a:rPr lang="en-US" altLang="zh-TW" sz="3200" dirty="0" smtClean="0"/>
+              <a:t>Facebook API</a:t>
             </a:r>
             <a:endParaRPr lang="en-US" altLang="zh-TW" sz="3200" dirty="0" smtClean="0"/>
           </a:p>
@@ -7078,7 +7162,6 @@
               <a:rPr lang="zh-TW" altLang="en-US" dirty="0"/>
               <a:t>網站的特色與優點</a:t>
             </a:r>
-            <a:endParaRPr lang="zh-TW" altLang="en-US" dirty="0"/>
           </a:p>
         </p:txBody>
       </p:sp>
@@ -7217,7 +7300,7 @@
             </a:r>
             <a:r>
               <a:rPr lang="zh-TW" altLang="en-US" sz="4000" dirty="0" smtClean="0"/>
-              <a:t>介面、地圖、四區文案</a:t>
+              <a:t>介面、地圖、四區文案、監督張清堯工作</a:t>
             </a:r>
             <a:endParaRPr lang="en-US" altLang="zh-TW" sz="4000" dirty="0" smtClean="0"/>
           </a:p>
@@ -7232,11 +7315,7 @@
             </a:r>
             <a:r>
               <a:rPr lang="zh-TW" altLang="en-US" sz="4000" dirty="0" smtClean="0"/>
-              <a:t>三區文案、整理連結、上</a:t>
-            </a:r>
-            <a:r>
-              <a:rPr lang="zh-TW" altLang="en-US" sz="4000" dirty="0"/>
-              <a:t>架</a:t>
+              <a:t>三區文案、整理連結、上架、留言板、介面調整</a:t>
             </a:r>
             <a:endParaRPr lang="en-US" altLang="zh-TW" sz="4000" dirty="0" smtClean="0"/>
           </a:p>
@@ -7246,6 +7325,104 @@
     <p:extLst>
       <p:ext uri="{BB962C8B-B14F-4D97-AF65-F5344CB8AC3E}">
         <p14:creationId xmlns:p14="http://schemas.microsoft.com/office/powerpoint/2010/main" val="871491"/>
+      </p:ext>
+    </p:extLst>
+  </p:cSld>
+  <p:clrMapOvr>
+    <a:masterClrMapping/>
+  </p:clrMapOvr>
+</p:sld>
+</file>
+
+<file path=ppt/slides/slide7.xml><?xml version="1.0" encoding="utf-8"?>
+<p:sld xmlns:a="http://schemas.openxmlformats.org/drawingml/2006/main" xmlns:r="http://schemas.openxmlformats.org/officeDocument/2006/relationships" xmlns:p="http://schemas.openxmlformats.org/presentationml/2006/main">
+  <p:cSld>
+    <p:spTree>
+      <p:nvGrpSpPr>
+        <p:cNvPr id="1" name=""/>
+        <p:cNvGrpSpPr/>
+        <p:nvPr/>
+      </p:nvGrpSpPr>
+      <p:grpSpPr>
+        <a:xfrm>
+          <a:off x="0" y="0"/>
+          <a:ext cx="0" cy="0"/>
+          <a:chOff x="0" y="0"/>
+          <a:chExt cx="0" cy="0"/>
+        </a:xfrm>
+      </p:grpSpPr>
+      <p:sp>
+        <p:nvSpPr>
+          <p:cNvPr id="2" name="標題 1"/>
+          <p:cNvSpPr>
+            <a:spLocks noGrp="1"/>
+          </p:cNvSpPr>
+          <p:nvPr>
+            <p:ph type="title"/>
+          </p:nvPr>
+        </p:nvSpPr>
+        <p:spPr/>
+        <p:txBody>
+          <a:bodyPr/>
+          <a:lstStyle/>
+          <a:p>
+            <a:r>
+              <a:rPr lang="zh-TW" altLang="en-US" dirty="0" smtClean="0"/>
+              <a:t>更新的小調整</a:t>
+            </a:r>
+            <a:endParaRPr lang="zh-TW" altLang="en-US" dirty="0"/>
+          </a:p>
+        </p:txBody>
+      </p:sp>
+      <p:sp>
+        <p:nvSpPr>
+          <p:cNvPr id="3" name="內容版面配置區 2"/>
+          <p:cNvSpPr>
+            <a:spLocks noGrp="1"/>
+          </p:cNvSpPr>
+          <p:nvPr>
+            <p:ph idx="1"/>
+          </p:nvPr>
+        </p:nvSpPr>
+        <p:spPr/>
+        <p:txBody>
+          <a:bodyPr/>
+          <a:lstStyle/>
+          <a:p>
+            <a:r>
+              <a:rPr lang="zh-TW" altLang="en-US" dirty="0" smtClean="0"/>
+              <a:t>讓右方的選單懸浮固定在同一位置</a:t>
+            </a:r>
+            <a:endParaRPr lang="en-US" altLang="zh-TW" dirty="0" smtClean="0"/>
+          </a:p>
+          <a:p>
+            <a:r>
+              <a:rPr lang="en-US" altLang="zh-TW" dirty="0" smtClean="0"/>
+              <a:t>Facebook</a:t>
+            </a:r>
+            <a:r>
+              <a:rPr lang="zh-TW" altLang="en-US" dirty="0" smtClean="0"/>
+              <a:t>留言板</a:t>
+            </a:r>
+            <a:endParaRPr lang="en-US" altLang="zh-TW" dirty="0" smtClean="0"/>
+          </a:p>
+          <a:p>
+            <a:r>
+              <a:rPr lang="zh-TW" altLang="en-US" dirty="0" smtClean="0"/>
+              <a:t>修復</a:t>
+            </a:r>
+            <a:r>
+              <a:rPr lang="en-US" altLang="zh-TW" dirty="0" smtClean="0"/>
+              <a:t>bugs</a:t>
+            </a:r>
+            <a:endParaRPr lang="zh-TW" altLang="en-US" dirty="0"/>
+          </a:p>
+        </p:txBody>
+      </p:sp>
+    </p:spTree>
+    <p:extLst>
+      <p:ext uri="{BB962C8B-B14F-4D97-AF65-F5344CB8AC3E}">
+        <p14:creationId xmlns:p14="http://schemas.microsoft.com/office/powerpoint/2010/main" val="3373666533"/>
       </p:ext>
     </p:extLst>
   </p:cSld>

--- a/報告.pptx
+++ b/報告.pptx
@@ -7084,7 +7084,11 @@
           <a:p>
             <a:r>
               <a:rPr lang="en-US" altLang="zh-TW" sz="3200" dirty="0" smtClean="0"/>
-              <a:t>Facebook API</a:t>
+              <a:t>Facebook </a:t>
+            </a:r>
+            <a:r>
+              <a:rPr lang="en-US" altLang="zh-TW" sz="3200" dirty="0" smtClean="0"/>
+              <a:t>API</a:t>
             </a:r>
             <a:endParaRPr lang="en-US" altLang="zh-TW" sz="3200" dirty="0" smtClean="0"/>
           </a:p>
@@ -7315,8 +7319,21 @@
             </a:r>
             <a:r>
               <a:rPr lang="zh-TW" altLang="en-US" sz="4000" dirty="0" smtClean="0"/>
-              <a:t>三區文案、整理連結、上架、留言板、介面調整</a:t>
-            </a:r>
+              <a:t>三區文案、整理連結、上架、留言板、介面</a:t>
+            </a:r>
+            <a:r>
+              <a:rPr lang="zh-TW" altLang="en-US" sz="4000" dirty="0" smtClean="0"/>
+              <a:t>調整、解</a:t>
+            </a:r>
+            <a:r>
+              <a:rPr lang="en-US" altLang="zh-TW" sz="4000" dirty="0" smtClean="0"/>
+              <a:t>bug</a:t>
+            </a:r>
+          </a:p>
+          <a:p>
+            <a:pPr marL="0" indent="0">
+              <a:buNone/>
+            </a:pPr>
             <a:endParaRPr lang="en-US" altLang="zh-TW" sz="4000" dirty="0" smtClean="0"/>
           </a:p>
         </p:txBody>
@@ -7397,12 +7414,20 @@
           </a:p>
           <a:p>
             <a:r>
+              <a:rPr lang="zh-TW" altLang="en-US" dirty="0"/>
+              <a:t>移除</a:t>
+            </a:r>
+            <a:r>
               <a:rPr lang="en-US" altLang="zh-TW" dirty="0" smtClean="0"/>
               <a:t>Facebook</a:t>
             </a:r>
             <a:r>
-              <a:rPr lang="zh-TW" altLang="en-US" dirty="0" smtClean="0"/>
-              <a:t>留言板</a:t>
+              <a:rPr lang="zh-TW" altLang="en-US" smtClean="0"/>
+              <a:t>留言</a:t>
+            </a:r>
+            <a:r>
+              <a:rPr lang="zh-TW" altLang="en-US" smtClean="0"/>
+              <a:t>板</a:t>
             </a:r>
             <a:endParaRPr lang="en-US" altLang="zh-TW" dirty="0" smtClean="0"/>
           </a:p>
